--- a/oran/O-RAN 20230320-20230324.pptx
+++ b/oran/O-RAN 20230320-20230324.pptx
@@ -5,7 +5,7 @@
     <p:sldMasterId id="2147483648" r:id="rId1"/>
   </p:sldMasterIdLst>
   <p:notesMasterIdLst>
-    <p:notesMasterId r:id="rId22"/>
+    <p:notesMasterId r:id="rId23"/>
   </p:notesMasterIdLst>
   <p:sldIdLst>
     <p:sldId id="256" r:id="rId2"/>
@@ -25,9 +25,10 @@
     <p:sldId id="345" r:id="rId16"/>
     <p:sldId id="346" r:id="rId17"/>
     <p:sldId id="338" r:id="rId18"/>
-    <p:sldId id="263" r:id="rId19"/>
-    <p:sldId id="264" r:id="rId20"/>
-    <p:sldId id="265" r:id="rId21"/>
+    <p:sldId id="347" r:id="rId19"/>
+    <p:sldId id="263" r:id="rId20"/>
+    <p:sldId id="264" r:id="rId21"/>
+    <p:sldId id="265" r:id="rId22"/>
   </p:sldIdLst>
   <p:sldSz cx="9906000" cy="6858000" type="A4"/>
   <p:notesSz cx="6858000" cy="9144000"/>
@@ -808,6 +809,90 @@
         </p:txBody>
       </p:sp>
     </p:spTree>
+  </p:cSld>
+  <p:clrMapOvr>
+    <a:masterClrMapping/>
+  </p:clrMapOvr>
+</p:notes>
+</file>
+
+<file path=ppt/notesSlides/notesSlide13.xml><?xml version="1.0" encoding="utf-8"?>
+<p:notes xmlns:a="http://schemas.openxmlformats.org/drawingml/2006/main" xmlns:r="http://schemas.openxmlformats.org/officeDocument/2006/relationships" xmlns:p="http://schemas.openxmlformats.org/presentationml/2006/main">
+  <p:cSld>
+    <p:spTree>
+      <p:nvGrpSpPr>
+        <p:cNvPr id="1" name=""/>
+        <p:cNvGrpSpPr/>
+        <p:nvPr/>
+      </p:nvGrpSpPr>
+      <p:grpSpPr>
+        <a:xfrm>
+          <a:off x="0" y="0"/>
+          <a:ext cx="0" cy="0"/>
+          <a:chOff x="0" y="0"/>
+          <a:chExt cx="0" cy="0"/>
+        </a:xfrm>
+      </p:grpSpPr>
+      <p:sp>
+        <p:nvSpPr>
+          <p:cNvPr id="2" name="Slide Image Placeholder 1"/>
+          <p:cNvSpPr>
+            <a:spLocks noGrp="1" noRot="1" noChangeAspect="1"/>
+          </p:cNvSpPr>
+          <p:nvPr>
+            <p:ph type="sldImg"/>
+          </p:nvPr>
+        </p:nvSpPr>
+        <p:spPr/>
+      </p:sp>
+      <p:sp>
+        <p:nvSpPr>
+          <p:cNvPr id="3" name="Notes Placeholder 2"/>
+          <p:cNvSpPr>
+            <a:spLocks noGrp="1"/>
+          </p:cNvSpPr>
+          <p:nvPr>
+            <p:ph type="body" idx="1"/>
+          </p:nvPr>
+        </p:nvSpPr>
+        <p:spPr/>
+        <p:txBody>
+          <a:bodyPr/>
+          <a:lstStyle/>
+          <a:p>
+            <a:endParaRPr lang="en-US" dirty="0"/>
+          </a:p>
+        </p:txBody>
+      </p:sp>
+      <p:sp>
+        <p:nvSpPr>
+          <p:cNvPr id="4" name="Slide Number Placeholder 3"/>
+          <p:cNvSpPr>
+            <a:spLocks noGrp="1"/>
+          </p:cNvSpPr>
+          <p:nvPr>
+            <p:ph type="sldNum" sz="quarter" idx="5"/>
+          </p:nvPr>
+        </p:nvSpPr>
+        <p:spPr/>
+        <p:txBody>
+          <a:bodyPr/>
+          <a:lstStyle/>
+          <a:p>
+            <a:fld id="{747684FA-A857-1C43-8DE5-1668ADB2B977}" type="slidenum">
+              <a:rPr lang="en-US" smtClean="0"/>
+              <a:t>18</a:t>
+            </a:fld>
+            <a:endParaRPr lang="en-US"/>
+          </a:p>
+        </p:txBody>
+      </p:sp>
+    </p:spTree>
+    <p:extLst>
+      <p:ext uri="{BB962C8B-B14F-4D97-AF65-F5344CB8AC3E}">
+        <p14:creationId xmlns:p14="http://schemas.microsoft.com/office/powerpoint/2010/main" val="3661174908"/>
+      </p:ext>
+    </p:extLst>
   </p:cSld>
   <p:clrMapOvr>
     <a:masterClrMapping/>
@@ -9379,69 +9464,286 @@
         </p:nvSpPr>
         <p:spPr/>
         <p:txBody>
+          <a:bodyPr>
+            <a:normAutofit/>
+          </a:bodyPr>
+          <a:lstStyle/>
+          <a:p>
+            <a:r>
+              <a:rPr lang="en-US" dirty="0"/>
+              <a:t>XIOS modification</a:t>
+            </a:r>
+            <a:endParaRPr lang="x-none" dirty="0"/>
+          </a:p>
+        </p:txBody>
+      </p:sp>
+      <p:sp>
+        <p:nvSpPr>
+          <p:cNvPr id="4" name="Content Placeholder 2"/>
+          <p:cNvSpPr txBox="1"/>
+          <p:nvPr/>
+        </p:nvSpPr>
+        <p:spPr>
+          <a:xfrm>
+            <a:off x="863917" y="1421638"/>
+            <a:ext cx="8543925" cy="554307"/>
+          </a:xfrm>
+          <a:prstGeom prst="rect">
+            <a:avLst/>
+          </a:prstGeom>
+        </p:spPr>
+        <p:style>
+          <a:lnRef idx="1">
+            <a:schemeClr val="accent4"/>
+          </a:lnRef>
+          <a:fillRef idx="3">
+            <a:schemeClr val="accent4"/>
+          </a:fillRef>
+          <a:effectRef idx="2">
+            <a:schemeClr val="accent4"/>
+          </a:effectRef>
+          <a:fontRef idx="minor">
+            <a:schemeClr val="lt1"/>
+          </a:fontRef>
+        </p:style>
+        <p:txBody>
+          <a:bodyPr vert="horz" lIns="91440" tIns="45720" rIns="91440" bIns="45720" rtlCol="0">
+            <a:normAutofit/>
+          </a:bodyPr>
+          <a:lstStyle>
+            <a:lvl1pPr marL="228600" indent="-228600" algn="l" defTabSz="914400" rtl="0" eaLnBrk="1" latinLnBrk="0" hangingPunct="1">
+              <a:lnSpc>
+                <a:spcPct val="90000"/>
+              </a:lnSpc>
+              <a:spcBef>
+                <a:spcPts val="1000"/>
+              </a:spcBef>
+              <a:buFont typeface="Arial" panose="020B0604020202020204" pitchFamily="34" charset="0"/>
+              <a:buChar char="•"/>
+              <a:defRPr sz="2800" kern="1200">
+                <a:solidFill>
+                  <a:schemeClr val="tx1"/>
+                </a:solidFill>
+                <a:latin typeface="+mn-lt"/>
+                <a:ea typeface="+mn-ea"/>
+                <a:cs typeface="+mn-cs"/>
+              </a:defRPr>
+            </a:lvl1pPr>
+            <a:lvl2pPr marL="685800" indent="-228600" algn="l" defTabSz="914400" rtl="0" eaLnBrk="1" latinLnBrk="0" hangingPunct="1">
+              <a:lnSpc>
+                <a:spcPct val="90000"/>
+              </a:lnSpc>
+              <a:spcBef>
+                <a:spcPts val="500"/>
+              </a:spcBef>
+              <a:buFont typeface="Arial" panose="020B0604020202020204" pitchFamily="34" charset="0"/>
+              <a:buChar char="•"/>
+              <a:defRPr sz="2400" kern="1200">
+                <a:solidFill>
+                  <a:schemeClr val="tx1"/>
+                </a:solidFill>
+                <a:latin typeface="+mn-lt"/>
+                <a:ea typeface="+mn-ea"/>
+                <a:cs typeface="+mn-cs"/>
+              </a:defRPr>
+            </a:lvl2pPr>
+            <a:lvl3pPr marL="1143000" indent="-228600" algn="l" defTabSz="914400" rtl="0" eaLnBrk="1" latinLnBrk="0" hangingPunct="1">
+              <a:lnSpc>
+                <a:spcPct val="90000"/>
+              </a:lnSpc>
+              <a:spcBef>
+                <a:spcPts val="500"/>
+              </a:spcBef>
+              <a:buFont typeface="Arial" panose="020B0604020202020204" pitchFamily="34" charset="0"/>
+              <a:buChar char="•"/>
+              <a:defRPr sz="2000" kern="1200">
+                <a:solidFill>
+                  <a:schemeClr val="tx1"/>
+                </a:solidFill>
+                <a:latin typeface="+mn-lt"/>
+                <a:ea typeface="+mn-ea"/>
+                <a:cs typeface="+mn-cs"/>
+              </a:defRPr>
+            </a:lvl3pPr>
+            <a:lvl4pPr marL="1600200" indent="-228600" algn="l" defTabSz="914400" rtl="0" eaLnBrk="1" latinLnBrk="0" hangingPunct="1">
+              <a:lnSpc>
+                <a:spcPct val="90000"/>
+              </a:lnSpc>
+              <a:spcBef>
+                <a:spcPts val="500"/>
+              </a:spcBef>
+              <a:buFont typeface="Arial" panose="020B0604020202020204" pitchFamily="34" charset="0"/>
+              <a:buChar char="•"/>
+              <a:defRPr sz="1800" kern="1200">
+                <a:solidFill>
+                  <a:schemeClr val="tx1"/>
+                </a:solidFill>
+                <a:latin typeface="+mn-lt"/>
+                <a:ea typeface="+mn-ea"/>
+                <a:cs typeface="+mn-cs"/>
+              </a:defRPr>
+            </a:lvl4pPr>
+            <a:lvl5pPr marL="2057400" indent="-228600" algn="l" defTabSz="914400" rtl="0" eaLnBrk="1" latinLnBrk="0" hangingPunct="1">
+              <a:lnSpc>
+                <a:spcPct val="90000"/>
+              </a:lnSpc>
+              <a:spcBef>
+                <a:spcPts val="500"/>
+              </a:spcBef>
+              <a:buFont typeface="Arial" panose="020B0604020202020204" pitchFamily="34" charset="0"/>
+              <a:buChar char="•"/>
+              <a:defRPr sz="1800" kern="1200">
+                <a:solidFill>
+                  <a:schemeClr val="tx1"/>
+                </a:solidFill>
+                <a:latin typeface="+mn-lt"/>
+                <a:ea typeface="+mn-ea"/>
+                <a:cs typeface="+mn-cs"/>
+              </a:defRPr>
+            </a:lvl5pPr>
+            <a:lvl6pPr marL="2514600" indent="-228600" algn="l" defTabSz="914400" rtl="0" eaLnBrk="1" latinLnBrk="0" hangingPunct="1">
+              <a:lnSpc>
+                <a:spcPct val="90000"/>
+              </a:lnSpc>
+              <a:spcBef>
+                <a:spcPts val="500"/>
+              </a:spcBef>
+              <a:buFont typeface="Arial" panose="020B0604020202020204" pitchFamily="34" charset="0"/>
+              <a:buChar char="•"/>
+              <a:defRPr sz="1800" kern="1200">
+                <a:solidFill>
+                  <a:schemeClr val="tx1"/>
+                </a:solidFill>
+                <a:latin typeface="+mn-lt"/>
+                <a:ea typeface="+mn-ea"/>
+                <a:cs typeface="+mn-cs"/>
+              </a:defRPr>
+            </a:lvl6pPr>
+            <a:lvl7pPr marL="2971800" indent="-228600" algn="l" defTabSz="914400" rtl="0" eaLnBrk="1" latinLnBrk="0" hangingPunct="1">
+              <a:lnSpc>
+                <a:spcPct val="90000"/>
+              </a:lnSpc>
+              <a:spcBef>
+                <a:spcPts val="500"/>
+              </a:spcBef>
+              <a:buFont typeface="Arial" panose="020B0604020202020204" pitchFamily="34" charset="0"/>
+              <a:buChar char="•"/>
+              <a:defRPr sz="1800" kern="1200">
+                <a:solidFill>
+                  <a:schemeClr val="tx1"/>
+                </a:solidFill>
+                <a:latin typeface="+mn-lt"/>
+                <a:ea typeface="+mn-ea"/>
+                <a:cs typeface="+mn-cs"/>
+              </a:defRPr>
+            </a:lvl7pPr>
+            <a:lvl8pPr marL="3429000" indent="-228600" algn="l" defTabSz="914400" rtl="0" eaLnBrk="1" latinLnBrk="0" hangingPunct="1">
+              <a:lnSpc>
+                <a:spcPct val="90000"/>
+              </a:lnSpc>
+              <a:spcBef>
+                <a:spcPts val="500"/>
+              </a:spcBef>
+              <a:buFont typeface="Arial" panose="020B0604020202020204" pitchFamily="34" charset="0"/>
+              <a:buChar char="•"/>
+              <a:defRPr sz="1800" kern="1200">
+                <a:solidFill>
+                  <a:schemeClr val="tx1"/>
+                </a:solidFill>
+                <a:latin typeface="+mn-lt"/>
+                <a:ea typeface="+mn-ea"/>
+                <a:cs typeface="+mn-cs"/>
+              </a:defRPr>
+            </a:lvl8pPr>
+            <a:lvl9pPr marL="3886200" indent="-228600" algn="l" defTabSz="914400" rtl="0" eaLnBrk="1" latinLnBrk="0" hangingPunct="1">
+              <a:lnSpc>
+                <a:spcPct val="90000"/>
+              </a:lnSpc>
+              <a:spcBef>
+                <a:spcPts val="500"/>
+              </a:spcBef>
+              <a:buFont typeface="Arial" panose="020B0604020202020204" pitchFamily="34" charset="0"/>
+              <a:buChar char="•"/>
+              <a:defRPr sz="1800" kern="1200">
+                <a:solidFill>
+                  <a:schemeClr val="tx1"/>
+                </a:solidFill>
+                <a:latin typeface="+mn-lt"/>
+                <a:ea typeface="+mn-ea"/>
+                <a:cs typeface="+mn-cs"/>
+              </a:defRPr>
+            </a:lvl9pPr>
+          </a:lstStyle>
+          <a:p>
+            <a:pPr marL="0" indent="0">
+              <a:buNone/>
+            </a:pPr>
+            <a:r>
+              <a:rPr lang="en-US" altLang="x-none" dirty="0">
+                <a:solidFill>
+                  <a:srgbClr val="0432FF"/>
+                </a:solidFill>
+              </a:rPr>
+              <a:t>Plan</a:t>
+            </a:r>
+          </a:p>
+        </p:txBody>
+      </p:sp>
+      <p:sp>
+        <p:nvSpPr>
+          <p:cNvPr id="3" name="Content Placeholder 2"/>
+          <p:cNvSpPr>
+            <a:spLocks noGrp="1"/>
+          </p:cNvSpPr>
+          <p:nvPr>
+            <p:ph idx="1"/>
+          </p:nvPr>
+        </p:nvSpPr>
+        <p:spPr>
+          <a:xfrm>
+            <a:off x="681355" y="2244725"/>
+            <a:ext cx="8543925" cy="3932555"/>
+          </a:xfrm>
+        </p:spPr>
+        <p:txBody>
           <a:bodyPr/>
           <a:lstStyle/>
           <a:p>
+            <a:pPr lvl="1"/>
             <a:r>
               <a:rPr lang="en-US" dirty="0"/>
-              <a:t>Conclusion</a:t>
-            </a:r>
-            <a:endParaRPr lang="x-none" dirty="0"/>
-          </a:p>
-        </p:txBody>
-      </p:sp>
-      <p:sp>
-        <p:nvSpPr>
-          <p:cNvPr id="3" name="Content Placeholder 2"/>
-          <p:cNvSpPr>
-            <a:spLocks noGrp="1"/>
-          </p:cNvSpPr>
-          <p:nvPr>
-            <p:ph idx="1"/>
-          </p:nvPr>
-        </p:nvSpPr>
-        <p:spPr>
-          <a:xfrm>
-            <a:off x="681038" y="1690691"/>
-            <a:ext cx="8543925" cy="4486272"/>
-          </a:xfrm>
-        </p:spPr>
-        <p:txBody>
-          <a:bodyPr/>
-          <a:lstStyle/>
-          <a:p>
-            <a:r>
-              <a:rPr lang="en-US" dirty="0">
-                <a:solidFill>
-                  <a:srgbClr val="0432FF"/>
-                </a:solidFill>
-              </a:rPr>
-              <a:t>Decoding issue still occurred when decode the message</a:t>
-            </a:r>
-          </a:p>
-          <a:p>
-            <a:r>
-              <a:rPr lang="en-US" dirty="0">
-                <a:solidFill>
-                  <a:srgbClr val="0432FF"/>
-                </a:solidFill>
-              </a:rPr>
-              <a:t>SZ linked to XIOS project using absolute path</a:t>
-            </a:r>
-          </a:p>
-          <a:p>
-            <a:r>
-              <a:rPr lang="en-US" dirty="0">
-                <a:solidFill>
-                  <a:srgbClr val="0432FF"/>
-                </a:solidFill>
-              </a:rPr>
-              <a:t>Understanding about the logic inside nc4_data_output.hpp and nc4_data_output.ccp is mandatory to implement SZ compression.</a:t>
+              <a:t>Implement SZ compression outside XIOS</a:t>
+            </a:r>
+          </a:p>
+          <a:p>
+            <a:pPr lvl="1"/>
+            <a:r>
+              <a:rPr lang="en-US" dirty="0"/>
+              <a:t>Implement SZ compression using netcdf4 input file outside XIOS project</a:t>
+            </a:r>
+          </a:p>
+          <a:p>
+            <a:pPr lvl="1"/>
+            <a:r>
+              <a:rPr lang="en-US" dirty="0"/>
+              <a:t>Migrate the previous implementation into XIOS project</a:t>
+            </a:r>
+          </a:p>
+          <a:p>
+            <a:pPr lvl="1"/>
+            <a:r>
+              <a:rPr lang="en-US" dirty="0"/>
+              <a:t>Simulate using NEMO model</a:t>
             </a:r>
           </a:p>
         </p:txBody>
       </p:sp>
     </p:spTree>
+    <p:extLst>
+      <p:ext uri="{BB962C8B-B14F-4D97-AF65-F5344CB8AC3E}">
+        <p14:creationId xmlns:p14="http://schemas.microsoft.com/office/powerpoint/2010/main" val="3206024339"/>
+      </p:ext>
+    </p:extLst>
   </p:cSld>
   <p:clrMapOvr>
     <a:masterClrMapping/>
@@ -9483,7 +9785,7 @@
           <a:p>
             <a:r>
               <a:rPr lang="en-US" dirty="0"/>
-              <a:t>Your opinion/thought</a:t>
+              <a:t>Conclusion</a:t>
             </a:r>
             <a:endParaRPr lang="x-none" dirty="0"/>
           </a:p>
@@ -9515,7 +9817,7 @@
                   <a:srgbClr val="0432FF"/>
                 </a:solidFill>
               </a:rPr>
-              <a:t>Grep with keyword of write/compress inside XIOS is needed</a:t>
+              <a:t>Decoding issue still occurred when decode the message</a:t>
             </a:r>
           </a:p>
           <a:p>
@@ -9525,7 +9827,17 @@
                   <a:srgbClr val="0432FF"/>
                 </a:solidFill>
               </a:rPr>
-              <a:t>Find similar project related with the implementation of SZ compression</a:t>
+              <a:t>SZ linked to XIOS project using absolute path</a:t>
+            </a:r>
+          </a:p>
+          <a:p>
+            <a:r>
+              <a:rPr lang="en-US" dirty="0">
+                <a:solidFill>
+                  <a:srgbClr val="0432FF"/>
+                </a:solidFill>
+              </a:rPr>
+              <a:t>Understanding about the logic inside nc4_data_output.hpp and nc4_data_output.ccp is mandatory to implement SZ compression.</a:t>
             </a:r>
           </a:p>
         </p:txBody>
@@ -9695,7 +10007,7 @@
           <a:p>
             <a:r>
               <a:rPr lang="en-US" dirty="0"/>
-              <a:t>Action items</a:t>
+              <a:t>Your opinion/thought</a:t>
             </a:r>
             <a:endParaRPr lang="x-none" dirty="0"/>
           </a:p>
@@ -9720,6 +10032,128 @@
         <p:txBody>
           <a:bodyPr/>
           <a:lstStyle/>
+          <a:p>
+            <a:r>
+              <a:rPr lang="en-US" dirty="0">
+                <a:solidFill>
+                  <a:srgbClr val="0432FF"/>
+                </a:solidFill>
+              </a:rPr>
+              <a:t>Grep with keyword of write/compress inside XIOS is needed</a:t>
+            </a:r>
+          </a:p>
+          <a:p>
+            <a:r>
+              <a:rPr lang="en-US" dirty="0">
+                <a:solidFill>
+                  <a:srgbClr val="0432FF"/>
+                </a:solidFill>
+              </a:rPr>
+              <a:t>Find similar project related with the implementation of SZ compression</a:t>
+            </a:r>
+          </a:p>
+        </p:txBody>
+      </p:sp>
+    </p:spTree>
+  </p:cSld>
+  <p:clrMapOvr>
+    <a:masterClrMapping/>
+  </p:clrMapOvr>
+</p:sld>
+</file>
+
+<file path=ppt/slides/slide21.xml><?xml version="1.0" encoding="utf-8"?>
+<p:sld xmlns:a="http://schemas.openxmlformats.org/drawingml/2006/main" xmlns:r="http://schemas.openxmlformats.org/officeDocument/2006/relationships" xmlns:p="http://schemas.openxmlformats.org/presentationml/2006/main">
+  <p:cSld>
+    <p:spTree>
+      <p:nvGrpSpPr>
+        <p:cNvPr id="1" name=""/>
+        <p:cNvGrpSpPr/>
+        <p:nvPr/>
+      </p:nvGrpSpPr>
+      <p:grpSpPr>
+        <a:xfrm>
+          <a:off x="0" y="0"/>
+          <a:ext cx="0" cy="0"/>
+          <a:chOff x="0" y="0"/>
+          <a:chExt cx="0" cy="0"/>
+        </a:xfrm>
+      </p:grpSpPr>
+      <p:sp>
+        <p:nvSpPr>
+          <p:cNvPr id="2" name="Title 1"/>
+          <p:cNvSpPr>
+            <a:spLocks noGrp="1"/>
+          </p:cNvSpPr>
+          <p:nvPr>
+            <p:ph type="title"/>
+          </p:nvPr>
+        </p:nvSpPr>
+        <p:spPr/>
+        <p:txBody>
+          <a:bodyPr/>
+          <a:lstStyle/>
+          <a:p>
+            <a:r>
+              <a:rPr lang="en-US" dirty="0"/>
+              <a:t>Action items</a:t>
+            </a:r>
+            <a:endParaRPr lang="x-none" dirty="0"/>
+          </a:p>
+        </p:txBody>
+      </p:sp>
+      <p:sp>
+        <p:nvSpPr>
+          <p:cNvPr id="3" name="Content Placeholder 2"/>
+          <p:cNvSpPr>
+            <a:spLocks noGrp="1"/>
+          </p:cNvSpPr>
+          <p:nvPr>
+            <p:ph idx="1"/>
+          </p:nvPr>
+        </p:nvSpPr>
+        <p:spPr>
+          <a:xfrm>
+            <a:off x="681038" y="1690691"/>
+            <a:ext cx="8543925" cy="4486272"/>
+          </a:xfrm>
+        </p:spPr>
+        <p:txBody>
+          <a:bodyPr/>
+          <a:lstStyle/>
+          <a:p>
+            <a:r>
+              <a:rPr lang="en-US" dirty="0">
+                <a:solidFill>
+                  <a:srgbClr val="0432FF"/>
+                </a:solidFill>
+              </a:rPr>
+              <a:t>Trial and error to solve decoding </a:t>
+            </a:r>
+            <a:r>
+              <a:rPr lang="en-US">
+                <a:solidFill>
+                  <a:srgbClr val="0432FF"/>
+                </a:solidFill>
+              </a:rPr>
+              <a:t>communication issue</a:t>
+            </a:r>
+            <a:endParaRPr lang="en-US" dirty="0">
+              <a:solidFill>
+                <a:srgbClr val="0432FF"/>
+              </a:solidFill>
+            </a:endParaRPr>
+          </a:p>
+          <a:p>
+            <a:r>
+              <a:rPr lang="en-US" dirty="0">
+                <a:solidFill>
+                  <a:srgbClr val="0432FF"/>
+                </a:solidFill>
+              </a:rPr>
+              <a:t>Learn the SZ compression related function using SZ API library</a:t>
+            </a:r>
+          </a:p>
           <a:p>
             <a:r>
               <a:rPr lang="en-US" dirty="0">

--- a/oran/O-RAN 20230320-20230324.pptx
+++ b/oran/O-RAN 20230320-20230324.pptx
@@ -4378,7 +4378,11 @@
           <a:p>
             <a:r>
               <a:rPr lang="en-US" dirty="0"/>
-              <a:t>Open RAN</a:t>
+              <a:t>Open RAN and </a:t>
+            </a:r>
+            <a:r>
+              <a:rPr lang="en-US" dirty="0" err="1"/>
+              <a:t>GlowSea</a:t>
             </a:r>
             <a:endParaRPr lang="x-none" dirty="0"/>
           </a:p>
@@ -10128,21 +10132,8 @@
                   <a:srgbClr val="0432FF"/>
                 </a:solidFill>
               </a:rPr>
-              <a:t>Trial and error to solve decoding </a:t>
-            </a:r>
-            <a:r>
-              <a:rPr lang="en-US">
-                <a:solidFill>
-                  <a:srgbClr val="0432FF"/>
-                </a:solidFill>
-              </a:rPr>
-              <a:t>communication issue</a:t>
-            </a:r>
-            <a:endParaRPr lang="en-US" dirty="0">
-              <a:solidFill>
-                <a:srgbClr val="0432FF"/>
-              </a:solidFill>
-            </a:endParaRPr>
+              <a:t>Trial and error to solve decoding communication issue</a:t>
+            </a:r>
           </a:p>
           <a:p>
             <a:r>
